--- a/Solution_Design/Story Board/Storys/RA-12-Formularkausalität/RA12 Einfache Sprache.pptx
+++ b/Solution_Design/Story Board/Storys/RA-12-Formularkausalität/RA12 Einfache Sprache.pptx
@@ -10,6 +10,10 @@
     <p:sldId id="259" r:id="rId4"/>
     <p:sldId id="260" r:id="rId5"/>
     <p:sldId id="257" r:id="rId6"/>
+    <p:sldId id="261" r:id="rId7"/>
+    <p:sldId id="262" r:id="rId8"/>
+    <p:sldId id="263" r:id="rId9"/>
+    <p:sldId id="264" r:id="rId10"/>
   </p:sldIdLst>
   <p:sldSz cx="9144000" cy="6858000" type="screen4x3"/>
   <p:notesSz cx="6858000" cy="9144000"/>
@@ -292,7 +296,7 @@
           <a:p>
             <a:fld id="{F2F4D7A9-22BD-44A6-AE64-44704A15036B}" type="datetimeFigureOut">
               <a:rPr lang="de-DE" smtClean="0"/>
-              <a:t>09.12.2015</a:t>
+              <a:t>10.12.2015</a:t>
             </a:fld>
             <a:endParaRPr lang="de-DE"/>
           </a:p>
@@ -462,7 +466,7 @@
           <a:p>
             <a:fld id="{F2F4D7A9-22BD-44A6-AE64-44704A15036B}" type="datetimeFigureOut">
               <a:rPr lang="de-DE" smtClean="0"/>
-              <a:t>09.12.2015</a:t>
+              <a:t>10.12.2015</a:t>
             </a:fld>
             <a:endParaRPr lang="de-DE"/>
           </a:p>
@@ -642,7 +646,7 @@
           <a:p>
             <a:fld id="{F2F4D7A9-22BD-44A6-AE64-44704A15036B}" type="datetimeFigureOut">
               <a:rPr lang="de-DE" smtClean="0"/>
-              <a:t>09.12.2015</a:t>
+              <a:t>10.12.2015</a:t>
             </a:fld>
             <a:endParaRPr lang="de-DE"/>
           </a:p>
@@ -812,7 +816,7 @@
           <a:p>
             <a:fld id="{F2F4D7A9-22BD-44A6-AE64-44704A15036B}" type="datetimeFigureOut">
               <a:rPr lang="de-DE" smtClean="0"/>
-              <a:t>09.12.2015</a:t>
+              <a:t>10.12.2015</a:t>
             </a:fld>
             <a:endParaRPr lang="de-DE"/>
           </a:p>
@@ -1058,7 +1062,7 @@
           <a:p>
             <a:fld id="{F2F4D7A9-22BD-44A6-AE64-44704A15036B}" type="datetimeFigureOut">
               <a:rPr lang="de-DE" smtClean="0"/>
-              <a:t>09.12.2015</a:t>
+              <a:t>10.12.2015</a:t>
             </a:fld>
             <a:endParaRPr lang="de-DE"/>
           </a:p>
@@ -1346,7 +1350,7 @@
           <a:p>
             <a:fld id="{F2F4D7A9-22BD-44A6-AE64-44704A15036B}" type="datetimeFigureOut">
               <a:rPr lang="de-DE" smtClean="0"/>
-              <a:t>09.12.2015</a:t>
+              <a:t>10.12.2015</a:t>
             </a:fld>
             <a:endParaRPr lang="de-DE"/>
           </a:p>
@@ -1768,7 +1772,7 @@
           <a:p>
             <a:fld id="{F2F4D7A9-22BD-44A6-AE64-44704A15036B}" type="datetimeFigureOut">
               <a:rPr lang="de-DE" smtClean="0"/>
-              <a:t>09.12.2015</a:t>
+              <a:t>10.12.2015</a:t>
             </a:fld>
             <a:endParaRPr lang="de-DE"/>
           </a:p>
@@ -1886,7 +1890,7 @@
           <a:p>
             <a:fld id="{F2F4D7A9-22BD-44A6-AE64-44704A15036B}" type="datetimeFigureOut">
               <a:rPr lang="de-DE" smtClean="0"/>
-              <a:t>09.12.2015</a:t>
+              <a:t>10.12.2015</a:t>
             </a:fld>
             <a:endParaRPr lang="de-DE"/>
           </a:p>
@@ -1981,7 +1985,7 @@
           <a:p>
             <a:fld id="{F2F4D7A9-22BD-44A6-AE64-44704A15036B}" type="datetimeFigureOut">
               <a:rPr lang="de-DE" smtClean="0"/>
-              <a:t>09.12.2015</a:t>
+              <a:t>10.12.2015</a:t>
             </a:fld>
             <a:endParaRPr lang="de-DE"/>
           </a:p>
@@ -2258,7 +2262,7 @@
           <a:p>
             <a:fld id="{F2F4D7A9-22BD-44A6-AE64-44704A15036B}" type="datetimeFigureOut">
               <a:rPr lang="de-DE" smtClean="0"/>
-              <a:t>09.12.2015</a:t>
+              <a:t>10.12.2015</a:t>
             </a:fld>
             <a:endParaRPr lang="de-DE"/>
           </a:p>
@@ -2511,7 +2515,7 @@
           <a:p>
             <a:fld id="{F2F4D7A9-22BD-44A6-AE64-44704A15036B}" type="datetimeFigureOut">
               <a:rPr lang="de-DE" smtClean="0"/>
-              <a:t>09.12.2015</a:t>
+              <a:t>10.12.2015</a:t>
             </a:fld>
             <a:endParaRPr lang="de-DE"/>
           </a:p>
@@ -2724,7 +2728,7 @@
           <a:p>
             <a:fld id="{F2F4D7A9-22BD-44A6-AE64-44704A15036B}" type="datetimeFigureOut">
               <a:rPr lang="de-DE" smtClean="0"/>
-              <a:t>09.12.2015</a:t>
+              <a:t>10.12.2015</a:t>
             </a:fld>
             <a:endParaRPr lang="de-DE"/>
           </a:p>
@@ -3406,8 +3410,19 @@
           <a:p>
             <a:pPr algn="ctr"/>
             <a:r>
-              <a:rPr lang="de-DE" sz="2000" dirty="0"/>
-              <a:t>Erstaufnahmeeinrichtung </a:t>
+              <a:rPr lang="de-DE" sz="2000" dirty="0" smtClean="0"/>
+              <a:t>Erstaufnahmeeinrichtung</a:t>
+            </a:r>
+          </a:p>
+          <a:p>
+            <a:pPr algn="ctr"/>
+            <a:r>
+              <a:rPr lang="de-DE" sz="2000" dirty="0" smtClean="0"/>
+              <a:t>Ihre Erste Platz in Deutschland</a:t>
+            </a:r>
+            <a:r>
+              <a:rPr lang="de-DE" sz="2000" dirty="0" smtClean="0"/>
+              <a:t> </a:t>
             </a:r>
             <a:endParaRPr lang="de-DE" sz="2000" b="1" dirty="0"/>
           </a:p>
@@ -4549,7 +4564,6 @@
               <a:rPr lang="de-DE" dirty="0"/>
               <a:t>persönliches Anhörungsgespräch zwischen Asylbewerbern und Entscheidern</a:t>
             </a:r>
-            <a:endParaRPr lang="de-DE" dirty="0"/>
           </a:p>
         </p:txBody>
       </p:sp>
@@ -5103,7 +5117,6 @@
               <a:rPr lang="de-DE" dirty="0"/>
               <a:t>beschleunigten Asylantrag </a:t>
             </a:r>
-            <a:endParaRPr lang="de-DE" dirty="0"/>
           </a:p>
         </p:txBody>
       </p:sp>
@@ -5133,7 +5146,6 @@
               <a:rPr lang="de-DE" dirty="0"/>
               <a:t>persönliches Anhörungsgespräch zwischen Asylbewerbern und Entscheidern</a:t>
             </a:r>
-            <a:endParaRPr lang="de-DE" dirty="0"/>
           </a:p>
         </p:txBody>
       </p:sp>
@@ -5261,6 +5273,1795 @@
     <p:extLst>
       <p:ext uri="{BB962C8B-B14F-4D97-AF65-F5344CB8AC3E}">
         <p14:creationId xmlns:p14="http://schemas.microsoft.com/office/powerpoint/2010/main" val="3831264368"/>
+      </p:ext>
+    </p:extLst>
+  </p:cSld>
+  <p:clrMapOvr>
+    <a:masterClrMapping/>
+  </p:clrMapOvr>
+  <p:timing>
+    <p:tnLst>
+      <p:par>
+        <p:cTn id="1" dur="indefinite" restart="never" nodeType="tmRoot"/>
+      </p:par>
+    </p:tnLst>
+  </p:timing>
+</p:sld>
+</file>
+
+<file path=ppt/slides/slide6.xml><?xml version="1.0" encoding="utf-8"?>
+<p:sld xmlns:a="http://schemas.openxmlformats.org/drawingml/2006/main" xmlns:r="http://schemas.openxmlformats.org/officeDocument/2006/relationships" xmlns:p="http://schemas.openxmlformats.org/presentationml/2006/main">
+  <p:cSld>
+    <p:spTree>
+      <p:nvGrpSpPr>
+        <p:cNvPr id="1" name=""/>
+        <p:cNvGrpSpPr/>
+        <p:nvPr/>
+      </p:nvGrpSpPr>
+      <p:grpSpPr>
+        <a:xfrm>
+          <a:off x="0" y="0"/>
+          <a:ext cx="0" cy="0"/>
+          <a:chOff x="0" y="0"/>
+          <a:chExt cx="0" cy="0"/>
+        </a:xfrm>
+      </p:grpSpPr>
+      <p:pic>
+        <p:nvPicPr>
+          <p:cNvPr id="14" name="Picture 4" descr="https://www.aktion-mensch.de/.imaging/stk/am-theme-2013/desktop-img282/dam/leichte_sprache_icons_rechtebis_2015_12_31/Mitmachen_Leichte_Sprache/Antrag_Leichte_Sprache/jcr:content/Antrag_Leichte_Sprache.jpg.2014-09-25-09-15-15.jpg"/>
+          <p:cNvPicPr>
+            <a:picLocks noChangeAspect="1" noChangeArrowheads="1"/>
+          </p:cNvPicPr>
+          <p:nvPr/>
+        </p:nvPicPr>
+        <p:blipFill>
+          <a:blip r:embed="rId2">
+            <a:extLst>
+              <a:ext uri="{28A0092B-C50C-407E-A947-70E740481C1C}">
+                <a14:useLocalDpi xmlns:a14="http://schemas.microsoft.com/office/drawing/2010/main" val="0"/>
+              </a:ext>
+            </a:extLst>
+          </a:blip>
+          <a:srcRect/>
+          <a:stretch>
+            <a:fillRect/>
+          </a:stretch>
+        </p:blipFill>
+        <p:spPr bwMode="auto">
+          <a:xfrm>
+            <a:off x="4788024" y="4765794"/>
+            <a:ext cx="2833788" cy="1728192"/>
+          </a:xfrm>
+          <a:prstGeom prst="rect">
+            <a:avLst/>
+          </a:prstGeom>
+          <a:noFill/>
+          <a:extLst>
+            <a:ext uri="{909E8E84-426E-40DD-AFC4-6F175D3DCCD1}">
+              <a14:hiddenFill xmlns:a14="http://schemas.microsoft.com/office/drawing/2010/main">
+                <a:solidFill>
+                  <a:srgbClr val="FFFFFF"/>
+                </a:solidFill>
+              </a14:hiddenFill>
+            </a:ext>
+          </a:extLst>
+        </p:spPr>
+      </p:pic>
+      <p:sp>
+        <p:nvSpPr>
+          <p:cNvPr id="15" name="Textfeld 14"/>
+          <p:cNvSpPr txBox="1"/>
+          <p:nvPr/>
+        </p:nvSpPr>
+        <p:spPr>
+          <a:xfrm>
+            <a:off x="5073281" y="4468470"/>
+            <a:ext cx="2151743" cy="369332"/>
+          </a:xfrm>
+          <a:prstGeom prst="rect">
+            <a:avLst/>
+          </a:prstGeom>
+          <a:noFill/>
+        </p:spPr>
+        <p:txBody>
+          <a:bodyPr wrap="none" rtlCol="0">
+            <a:spAutoFit/>
+          </a:bodyPr>
+          <a:lstStyle/>
+          <a:p>
+            <a:r>
+              <a:rPr lang="de-DE" dirty="0" smtClean="0"/>
+              <a:t>Normalen Asylantrag</a:t>
+            </a:r>
+            <a:endParaRPr lang="de-DE" dirty="0"/>
+          </a:p>
+        </p:txBody>
+      </p:sp>
+      <p:pic>
+        <p:nvPicPr>
+          <p:cNvPr id="1028" name="Picture 4" descr="icon_ankunft_n.jpg.407525.jpg (150×113)"/>
+          <p:cNvPicPr>
+            <a:picLocks noChangeAspect="1" noChangeArrowheads="1"/>
+          </p:cNvPicPr>
+          <p:nvPr/>
+        </p:nvPicPr>
+        <p:blipFill>
+          <a:blip r:embed="rId3">
+            <a:extLst>
+              <a:ext uri="{28A0092B-C50C-407E-A947-70E740481C1C}">
+                <a14:useLocalDpi xmlns:a14="http://schemas.microsoft.com/office/drawing/2010/main" val="0"/>
+              </a:ext>
+            </a:extLst>
+          </a:blip>
+          <a:srcRect/>
+          <a:stretch>
+            <a:fillRect/>
+          </a:stretch>
+        </p:blipFill>
+        <p:spPr bwMode="auto">
+          <a:xfrm>
+            <a:off x="467544" y="1128538"/>
+            <a:ext cx="1428750" cy="1076326"/>
+          </a:xfrm>
+          <a:prstGeom prst="rect">
+            <a:avLst/>
+          </a:prstGeom>
+          <a:noFill/>
+          <a:extLst>
+            <a:ext uri="{909E8E84-426E-40DD-AFC4-6F175D3DCCD1}">
+              <a14:hiddenFill xmlns:a14="http://schemas.microsoft.com/office/drawing/2010/main">
+                <a:solidFill>
+                  <a:srgbClr val="FFFFFF"/>
+                </a:solidFill>
+              </a14:hiddenFill>
+            </a:ext>
+          </a:extLst>
+        </p:spPr>
+      </p:pic>
+      <p:sp>
+        <p:nvSpPr>
+          <p:cNvPr id="5" name="Rechteck 4"/>
+          <p:cNvSpPr/>
+          <p:nvPr/>
+        </p:nvSpPr>
+        <p:spPr>
+          <a:xfrm>
+            <a:off x="1221544" y="5446117"/>
+            <a:ext cx="2033377" cy="461665"/>
+          </a:xfrm>
+          <a:prstGeom prst="rect">
+            <a:avLst/>
+          </a:prstGeom>
+        </p:spPr>
+        <p:txBody>
+          <a:bodyPr wrap="none">
+            <a:spAutoFit/>
+          </a:bodyPr>
+          <a:lstStyle/>
+          <a:p>
+            <a:r>
+              <a:rPr lang="de-DE" sz="2400" dirty="0" smtClean="0"/>
+              <a:t>Asylberechtigt </a:t>
+            </a:r>
+            <a:endParaRPr lang="de-DE" dirty="0"/>
+          </a:p>
+        </p:txBody>
+      </p:sp>
+      <p:pic>
+        <p:nvPicPr>
+          <p:cNvPr id="6" name="Picture 2" descr="http://www.golz-art.de/pics/de_flag.jpg"/>
+          <p:cNvPicPr>
+            <a:picLocks noChangeAspect="1" noChangeArrowheads="1"/>
+          </p:cNvPicPr>
+          <p:nvPr/>
+        </p:nvPicPr>
+        <p:blipFill>
+          <a:blip r:embed="rId4">
+            <a:extLst>
+              <a:ext uri="{28A0092B-C50C-407E-A947-70E740481C1C}">
+                <a14:useLocalDpi xmlns:a14="http://schemas.microsoft.com/office/drawing/2010/main" val="0"/>
+              </a:ext>
+            </a:extLst>
+          </a:blip>
+          <a:srcRect/>
+          <a:stretch>
+            <a:fillRect/>
+          </a:stretch>
+        </p:blipFill>
+        <p:spPr bwMode="auto">
+          <a:xfrm>
+            <a:off x="732588" y="1793986"/>
+            <a:ext cx="3317351" cy="1997045"/>
+          </a:xfrm>
+          <a:prstGeom prst="rect">
+            <a:avLst/>
+          </a:prstGeom>
+          <a:noFill/>
+          <a:extLst>
+            <a:ext uri="{909E8E84-426E-40DD-AFC4-6F175D3DCCD1}">
+              <a14:hiddenFill xmlns:a14="http://schemas.microsoft.com/office/drawing/2010/main">
+                <a:solidFill>
+                  <a:srgbClr val="FFFFFF"/>
+                </a:solidFill>
+              </a14:hiddenFill>
+            </a:ext>
+          </a:extLst>
+        </p:spPr>
+      </p:pic>
+      <p:sp>
+        <p:nvSpPr>
+          <p:cNvPr id="7" name="Pfeil nach unten 6"/>
+          <p:cNvSpPr/>
+          <p:nvPr/>
+        </p:nvSpPr>
+        <p:spPr>
+          <a:xfrm>
+            <a:off x="1500965" y="404664"/>
+            <a:ext cx="1558868" cy="1962800"/>
+          </a:xfrm>
+          <a:prstGeom prst="downArrow">
+            <a:avLst>
+              <a:gd name="adj1" fmla="val 43488"/>
+              <a:gd name="adj2" fmla="val 62210"/>
+            </a:avLst>
+          </a:prstGeom>
+        </p:spPr>
+        <p:style>
+          <a:lnRef idx="1">
+            <a:schemeClr val="accent3"/>
+          </a:lnRef>
+          <a:fillRef idx="2">
+            <a:schemeClr val="accent3"/>
+          </a:fillRef>
+          <a:effectRef idx="1">
+            <a:schemeClr val="accent3"/>
+          </a:effectRef>
+          <a:fontRef idx="minor">
+            <a:schemeClr val="dk1"/>
+          </a:fontRef>
+        </p:style>
+        <p:txBody>
+          <a:bodyPr lIns="91432" tIns="45716" rIns="91432" bIns="45716" spcCol="0" rtlCol="0" anchor="ctr"/>
+          <a:lstStyle/>
+          <a:p>
+            <a:pPr algn="ctr"/>
+            <a:endParaRPr lang="de-DE" sz="2000" b="1" dirty="0"/>
+          </a:p>
+        </p:txBody>
+      </p:sp>
+      <p:sp>
+        <p:nvSpPr>
+          <p:cNvPr id="8" name="Rechteck 7"/>
+          <p:cNvSpPr/>
+          <p:nvPr/>
+        </p:nvSpPr>
+        <p:spPr>
+          <a:xfrm>
+            <a:off x="1660293" y="836712"/>
+            <a:ext cx="1240211" cy="369332"/>
+          </a:xfrm>
+          <a:prstGeom prst="rect">
+            <a:avLst/>
+          </a:prstGeom>
+        </p:spPr>
+        <p:txBody>
+          <a:bodyPr wrap="none">
+            <a:spAutoFit/>
+          </a:bodyPr>
+          <a:lstStyle/>
+          <a:p>
+            <a:pPr algn="ctr"/>
+            <a:r>
+              <a:rPr lang="de-DE" b="1" dirty="0"/>
+              <a:t>Ankunft in </a:t>
+            </a:r>
+          </a:p>
+        </p:txBody>
+      </p:sp>
+      <p:pic>
+        <p:nvPicPr>
+          <p:cNvPr id="1026" name="Picture 2" descr="Flughafen Zeichen"/>
+          <p:cNvPicPr>
+            <a:picLocks noChangeAspect="1" noChangeArrowheads="1"/>
+          </p:cNvPicPr>
+          <p:nvPr/>
+        </p:nvPicPr>
+        <p:blipFill>
+          <a:blip r:embed="rId5" cstate="print">
+            <a:extLst>
+              <a:ext uri="{28A0092B-C50C-407E-A947-70E740481C1C}">
+                <a14:useLocalDpi xmlns:a14="http://schemas.microsoft.com/office/drawing/2010/main" val="0"/>
+              </a:ext>
+            </a:extLst>
+          </a:blip>
+          <a:srcRect/>
+          <a:stretch>
+            <a:fillRect/>
+          </a:stretch>
+        </p:blipFill>
+        <p:spPr bwMode="auto">
+          <a:xfrm>
+            <a:off x="2822873" y="521968"/>
+            <a:ext cx="864096" cy="864096"/>
+          </a:xfrm>
+          <a:prstGeom prst="rect">
+            <a:avLst/>
+          </a:prstGeom>
+          <a:noFill/>
+          <a:extLst>
+            <a:ext uri="{909E8E84-426E-40DD-AFC4-6F175D3DCCD1}">
+              <a14:hiddenFill xmlns:a14="http://schemas.microsoft.com/office/drawing/2010/main">
+                <a:solidFill>
+                  <a:srgbClr val="FFFFFF"/>
+                </a:solidFill>
+              </a14:hiddenFill>
+            </a:ext>
+          </a:extLst>
+        </p:spPr>
+      </p:pic>
+      <p:sp>
+        <p:nvSpPr>
+          <p:cNvPr id="11" name="Pfeil nach unten 10"/>
+          <p:cNvSpPr/>
+          <p:nvPr/>
+        </p:nvSpPr>
+        <p:spPr>
+          <a:xfrm>
+            <a:off x="1470133" y="3356992"/>
+            <a:ext cx="1558868" cy="1962800"/>
+          </a:xfrm>
+          <a:prstGeom prst="downArrow">
+            <a:avLst>
+              <a:gd name="adj1" fmla="val 43488"/>
+              <a:gd name="adj2" fmla="val 62210"/>
+            </a:avLst>
+          </a:prstGeom>
+        </p:spPr>
+        <p:style>
+          <a:lnRef idx="1">
+            <a:schemeClr val="accent3"/>
+          </a:lnRef>
+          <a:fillRef idx="2">
+            <a:schemeClr val="accent3"/>
+          </a:fillRef>
+          <a:effectRef idx="1">
+            <a:schemeClr val="accent3"/>
+          </a:effectRef>
+          <a:fontRef idx="minor">
+            <a:schemeClr val="dk1"/>
+          </a:fontRef>
+        </p:style>
+        <p:txBody>
+          <a:bodyPr lIns="91432" tIns="45716" rIns="91432" bIns="45716" spcCol="0" rtlCol="0" anchor="ctr"/>
+          <a:lstStyle/>
+          <a:p>
+            <a:pPr algn="ctr"/>
+            <a:endParaRPr lang="de-DE" sz="2000" b="1" dirty="0"/>
+          </a:p>
+        </p:txBody>
+      </p:sp>
+      <p:cxnSp>
+        <p:nvCxnSpPr>
+          <p:cNvPr id="12" name="Gerade Verbindung 11"/>
+          <p:cNvCxnSpPr/>
+          <p:nvPr/>
+        </p:nvCxnSpPr>
+        <p:spPr>
+          <a:xfrm flipH="1">
+            <a:off x="931763" y="5029725"/>
+            <a:ext cx="2880320" cy="1200329"/>
+          </a:xfrm>
+          <a:prstGeom prst="line">
+            <a:avLst/>
+          </a:prstGeom>
+        </p:spPr>
+        <p:style>
+          <a:lnRef idx="2">
+            <a:schemeClr val="accent6"/>
+          </a:lnRef>
+          <a:fillRef idx="0">
+            <a:schemeClr val="accent6"/>
+          </a:fillRef>
+          <a:effectRef idx="1">
+            <a:schemeClr val="accent6"/>
+          </a:effectRef>
+          <a:fontRef idx="minor">
+            <a:schemeClr val="tx1"/>
+          </a:fontRef>
+        </p:style>
+      </p:cxnSp>
+      <p:sp>
+        <p:nvSpPr>
+          <p:cNvPr id="13" name="Pfeil nach rechts 12"/>
+          <p:cNvSpPr/>
+          <p:nvPr/>
+        </p:nvSpPr>
+        <p:spPr>
+          <a:xfrm>
+            <a:off x="3254921" y="5415607"/>
+            <a:ext cx="2253183" cy="533673"/>
+          </a:xfrm>
+          <a:prstGeom prst="rightArrow">
+            <a:avLst/>
+          </a:prstGeom>
+        </p:spPr>
+        <p:style>
+          <a:lnRef idx="2">
+            <a:schemeClr val="accent1">
+              <a:shade val="50000"/>
+            </a:schemeClr>
+          </a:lnRef>
+          <a:fillRef idx="1">
+            <a:schemeClr val="accent1"/>
+          </a:fillRef>
+          <a:effectRef idx="0">
+            <a:schemeClr val="accent1"/>
+          </a:effectRef>
+          <a:fontRef idx="minor">
+            <a:schemeClr val="lt1"/>
+          </a:fontRef>
+        </p:style>
+        <p:txBody>
+          <a:bodyPr rtlCol="0" anchor="ctr"/>
+          <a:lstStyle/>
+          <a:p>
+            <a:pPr algn="ctr"/>
+            <a:r>
+              <a:rPr lang="de-DE" dirty="0" smtClean="0"/>
+              <a:t>Flughafenverfahren</a:t>
+            </a:r>
+            <a:endParaRPr lang="de-DE" dirty="0"/>
+          </a:p>
+        </p:txBody>
+      </p:sp>
+      <p:sp>
+        <p:nvSpPr>
+          <p:cNvPr id="16" name="Rechteck 15"/>
+          <p:cNvSpPr/>
+          <p:nvPr/>
+        </p:nvSpPr>
+        <p:spPr>
+          <a:xfrm rot="2065980">
+            <a:off x="4755467" y="1802416"/>
+            <a:ext cx="3902721" cy="584775"/>
+          </a:xfrm>
+          <a:prstGeom prst="rect">
+            <a:avLst/>
+          </a:prstGeom>
+        </p:spPr>
+        <p:txBody>
+          <a:bodyPr wrap="square">
+            <a:spAutoFit/>
+          </a:bodyPr>
+          <a:lstStyle/>
+          <a:p>
+            <a:r>
+              <a:rPr lang="de-DE" sz="3200" b="1" dirty="0" smtClean="0"/>
+              <a:t>Flughafenverfahren</a:t>
+            </a:r>
+            <a:endParaRPr lang="de-DE" sz="3200" b="1" dirty="0"/>
+          </a:p>
+        </p:txBody>
+      </p:sp>
+    </p:spTree>
+    <p:extLst>
+      <p:ext uri="{BB962C8B-B14F-4D97-AF65-F5344CB8AC3E}">
+        <p14:creationId xmlns:p14="http://schemas.microsoft.com/office/powerpoint/2010/main" val="1749666834"/>
+      </p:ext>
+    </p:extLst>
+  </p:cSld>
+  <p:clrMapOvr>
+    <a:masterClrMapping/>
+  </p:clrMapOvr>
+  <p:timing>
+    <p:tnLst>
+      <p:par>
+        <p:cTn id="1" dur="indefinite" restart="never" nodeType="tmRoot"/>
+      </p:par>
+    </p:tnLst>
+  </p:timing>
+</p:sld>
+</file>
+
+<file path=ppt/slides/slide7.xml><?xml version="1.0" encoding="utf-8"?>
+<p:sld xmlns:a="http://schemas.openxmlformats.org/drawingml/2006/main" xmlns:r="http://schemas.openxmlformats.org/officeDocument/2006/relationships" xmlns:p="http://schemas.openxmlformats.org/presentationml/2006/main">
+  <p:cSld>
+    <p:spTree>
+      <p:nvGrpSpPr>
+        <p:cNvPr id="1" name=""/>
+        <p:cNvGrpSpPr/>
+        <p:nvPr/>
+      </p:nvGrpSpPr>
+      <p:grpSpPr>
+        <a:xfrm>
+          <a:off x="0" y="0"/>
+          <a:ext cx="0" cy="0"/>
+          <a:chOff x="0" y="0"/>
+          <a:chExt cx="0" cy="0"/>
+        </a:xfrm>
+      </p:grpSpPr>
+      <p:sp>
+        <p:nvSpPr>
+          <p:cNvPr id="4" name="Rechteck 3"/>
+          <p:cNvSpPr/>
+          <p:nvPr/>
+        </p:nvSpPr>
+        <p:spPr>
+          <a:xfrm>
+            <a:off x="3373489" y="197420"/>
+            <a:ext cx="2397020" cy="461665"/>
+          </a:xfrm>
+          <a:prstGeom prst="rect">
+            <a:avLst/>
+          </a:prstGeom>
+        </p:spPr>
+        <p:txBody>
+          <a:bodyPr wrap="square">
+            <a:spAutoFit/>
+          </a:bodyPr>
+          <a:lstStyle/>
+          <a:p>
+            <a:r>
+              <a:rPr lang="de-DE" sz="2400" dirty="0" smtClean="0"/>
+              <a:t>Antrag abgelehnt</a:t>
+            </a:r>
+            <a:endParaRPr lang="de-DE" sz="2400" dirty="0"/>
+          </a:p>
+        </p:txBody>
+      </p:sp>
+      <p:pic>
+        <p:nvPicPr>
+          <p:cNvPr id="1028" name="Picture 4" descr="asylantrag-abgelehnt102_v-teaserTop_zc-11a84362.jpg (512×180)"/>
+          <p:cNvPicPr>
+            <a:picLocks noChangeAspect="1" noChangeArrowheads="1"/>
+          </p:cNvPicPr>
+          <p:nvPr/>
+        </p:nvPicPr>
+        <p:blipFill>
+          <a:blip r:embed="rId2">
+            <a:extLst>
+              <a:ext uri="{28A0092B-C50C-407E-A947-70E740481C1C}">
+                <a14:useLocalDpi xmlns:a14="http://schemas.microsoft.com/office/drawing/2010/main" val="0"/>
+              </a:ext>
+            </a:extLst>
+          </a:blip>
+          <a:srcRect/>
+          <a:stretch>
+            <a:fillRect/>
+          </a:stretch>
+        </p:blipFill>
+        <p:spPr bwMode="auto">
+          <a:xfrm>
+            <a:off x="2133599" y="684801"/>
+            <a:ext cx="4876800" cy="1714500"/>
+          </a:xfrm>
+          <a:prstGeom prst="rect">
+            <a:avLst/>
+          </a:prstGeom>
+          <a:noFill/>
+          <a:extLst>
+            <a:ext uri="{909E8E84-426E-40DD-AFC4-6F175D3DCCD1}">
+              <a14:hiddenFill xmlns:a14="http://schemas.microsoft.com/office/drawing/2010/main">
+                <a:solidFill>
+                  <a:srgbClr val="FFFFFF"/>
+                </a:solidFill>
+              </a14:hiddenFill>
+            </a:ext>
+          </a:extLst>
+        </p:spPr>
+      </p:pic>
+      <p:sp>
+        <p:nvSpPr>
+          <p:cNvPr id="2" name="Wolke 1"/>
+          <p:cNvSpPr/>
+          <p:nvPr/>
+        </p:nvSpPr>
+        <p:spPr>
+          <a:xfrm>
+            <a:off x="431539" y="2924943"/>
+            <a:ext cx="8280920" cy="3168352"/>
+          </a:xfrm>
+          <a:prstGeom prst="cloud">
+            <a:avLst/>
+          </a:prstGeom>
+        </p:spPr>
+        <p:style>
+          <a:lnRef idx="2">
+            <a:schemeClr val="accent1"/>
+          </a:lnRef>
+          <a:fillRef idx="1">
+            <a:schemeClr val="lt1"/>
+          </a:fillRef>
+          <a:effectRef idx="0">
+            <a:schemeClr val="accent1"/>
+          </a:effectRef>
+          <a:fontRef idx="minor">
+            <a:schemeClr val="dk1"/>
+          </a:fontRef>
+        </p:style>
+        <p:txBody>
+          <a:bodyPr rtlCol="0" anchor="ctr"/>
+          <a:lstStyle/>
+          <a:p>
+            <a:pPr algn="ctr"/>
+            <a:r>
+              <a:rPr lang="de-DE" dirty="0"/>
+              <a:t>Asylfolgeantrages </a:t>
+            </a:r>
+            <a:endParaRPr lang="de-DE" dirty="0"/>
+          </a:p>
+        </p:txBody>
+      </p:sp>
+      <p:sp>
+        <p:nvSpPr>
+          <p:cNvPr id="3" name="Rechteck 2"/>
+          <p:cNvSpPr/>
+          <p:nvPr/>
+        </p:nvSpPr>
+        <p:spPr>
+          <a:xfrm>
+            <a:off x="1529576" y="3419707"/>
+            <a:ext cx="3064237" cy="369332"/>
+          </a:xfrm>
+          <a:prstGeom prst="rect">
+            <a:avLst/>
+          </a:prstGeom>
+        </p:spPr>
+        <p:txBody>
+          <a:bodyPr wrap="none">
+            <a:spAutoFit/>
+          </a:bodyPr>
+          <a:lstStyle/>
+          <a:p>
+            <a:r>
+              <a:rPr lang="de-DE" dirty="0"/>
+              <a:t>Rechtsschutz gegen das BAMF </a:t>
+            </a:r>
+            <a:endParaRPr lang="de-DE" dirty="0"/>
+          </a:p>
+        </p:txBody>
+      </p:sp>
+      <p:sp>
+        <p:nvSpPr>
+          <p:cNvPr id="14" name="Rechteck 13"/>
+          <p:cNvSpPr/>
+          <p:nvPr/>
+        </p:nvSpPr>
+        <p:spPr>
+          <a:xfrm>
+            <a:off x="4788024" y="3624861"/>
+            <a:ext cx="3143425" cy="369332"/>
+          </a:xfrm>
+          <a:prstGeom prst="rect">
+            <a:avLst/>
+          </a:prstGeom>
+        </p:spPr>
+        <p:txBody>
+          <a:bodyPr wrap="none">
+            <a:spAutoFit/>
+          </a:bodyPr>
+          <a:lstStyle/>
+          <a:p>
+            <a:r>
+              <a:rPr lang="de-DE" dirty="0" smtClean="0"/>
+              <a:t>Rücknahme der Asylerkennung </a:t>
+            </a:r>
+            <a:endParaRPr lang="de-DE" dirty="0"/>
+          </a:p>
+        </p:txBody>
+      </p:sp>
+      <p:sp>
+        <p:nvSpPr>
+          <p:cNvPr id="16" name="Rechteck 15"/>
+          <p:cNvSpPr/>
+          <p:nvPr/>
+        </p:nvSpPr>
+        <p:spPr>
+          <a:xfrm>
+            <a:off x="815111" y="4139787"/>
+            <a:ext cx="2453877" cy="369332"/>
+          </a:xfrm>
+          <a:prstGeom prst="rect">
+            <a:avLst/>
+          </a:prstGeom>
+        </p:spPr>
+        <p:txBody>
+          <a:bodyPr wrap="none">
+            <a:spAutoFit/>
+          </a:bodyPr>
+          <a:lstStyle/>
+          <a:p>
+            <a:r>
+              <a:rPr lang="de-DE" dirty="0"/>
+              <a:t>einstweilige Androhung </a:t>
+            </a:r>
+            <a:endParaRPr lang="de-DE" dirty="0"/>
+          </a:p>
+        </p:txBody>
+      </p:sp>
+      <p:sp>
+        <p:nvSpPr>
+          <p:cNvPr id="18" name="Rechteck 17"/>
+          <p:cNvSpPr/>
+          <p:nvPr/>
+        </p:nvSpPr>
+        <p:spPr>
+          <a:xfrm>
+            <a:off x="2497943" y="4837801"/>
+            <a:ext cx="1542089" cy="369332"/>
+          </a:xfrm>
+          <a:prstGeom prst="rect">
+            <a:avLst/>
+          </a:prstGeom>
+        </p:spPr>
+        <p:txBody>
+          <a:bodyPr wrap="none">
+            <a:spAutoFit/>
+          </a:bodyPr>
+          <a:lstStyle/>
+          <a:p>
+            <a:r>
+              <a:rPr lang="de-DE" dirty="0"/>
+              <a:t>Eilrechtschutz </a:t>
+            </a:r>
+            <a:endParaRPr lang="de-DE" dirty="0"/>
+          </a:p>
+        </p:txBody>
+      </p:sp>
+      <p:sp>
+        <p:nvSpPr>
+          <p:cNvPr id="24" name="180-Grad-Pfeil 23"/>
+          <p:cNvSpPr/>
+          <p:nvPr/>
+        </p:nvSpPr>
+        <p:spPr>
+          <a:xfrm rot="5400000" flipV="1">
+            <a:off x="-231610" y="1535870"/>
+            <a:ext cx="2756792" cy="1790526"/>
+          </a:xfrm>
+          <a:prstGeom prst="uturnArrow">
+            <a:avLst>
+              <a:gd name="adj1" fmla="val 21090"/>
+              <a:gd name="adj2" fmla="val 25000"/>
+              <a:gd name="adj3" fmla="val 25000"/>
+              <a:gd name="adj4" fmla="val 43750"/>
+              <a:gd name="adj5" fmla="val 67116"/>
+            </a:avLst>
+          </a:prstGeom>
+        </p:spPr>
+        <p:style>
+          <a:lnRef idx="2">
+            <a:schemeClr val="accent1">
+              <a:shade val="50000"/>
+            </a:schemeClr>
+          </a:lnRef>
+          <a:fillRef idx="1">
+            <a:schemeClr val="accent1"/>
+          </a:fillRef>
+          <a:effectRef idx="0">
+            <a:schemeClr val="accent1"/>
+          </a:effectRef>
+          <a:fontRef idx="minor">
+            <a:schemeClr val="lt1"/>
+          </a:fontRef>
+        </p:style>
+        <p:txBody>
+          <a:bodyPr rtlCol="0" anchor="ctr"/>
+          <a:lstStyle/>
+          <a:p>
+            <a:pPr algn="ctr"/>
+            <a:endParaRPr lang="de-DE">
+              <a:solidFill>
+                <a:schemeClr val="tx1"/>
+              </a:solidFill>
+            </a:endParaRPr>
+          </a:p>
+        </p:txBody>
+      </p:sp>
+      <p:sp>
+        <p:nvSpPr>
+          <p:cNvPr id="25" name="Rechteck 24"/>
+          <p:cNvSpPr/>
+          <p:nvPr/>
+        </p:nvSpPr>
+        <p:spPr>
+          <a:xfrm>
+            <a:off x="646432" y="2073622"/>
+            <a:ext cx="2459766" cy="923330"/>
+          </a:xfrm>
+          <a:prstGeom prst="rect">
+            <a:avLst/>
+          </a:prstGeom>
+        </p:spPr>
+        <p:txBody>
+          <a:bodyPr wrap="square">
+            <a:spAutoFit/>
+          </a:bodyPr>
+          <a:lstStyle/>
+          <a:p>
+            <a:r>
+              <a:rPr lang="de-DE" dirty="0"/>
+              <a:t>bei dem </a:t>
+            </a:r>
+            <a:r>
+              <a:rPr lang="de-DE" b="1" dirty="0" smtClean="0"/>
+              <a:t>Verwaltungsgericht</a:t>
+            </a:r>
+            <a:r>
+              <a:rPr lang="de-DE" dirty="0" smtClean="0"/>
+              <a:t> </a:t>
+            </a:r>
+            <a:r>
+              <a:rPr lang="de-DE" b="1" dirty="0" smtClean="0"/>
+              <a:t>Klage</a:t>
+            </a:r>
+            <a:r>
+              <a:rPr lang="de-DE" dirty="0" smtClean="0"/>
+              <a:t> einzureichen</a:t>
+            </a:r>
+            <a:endParaRPr lang="de-DE" dirty="0"/>
+          </a:p>
+        </p:txBody>
+      </p:sp>
+      <p:pic>
+        <p:nvPicPr>
+          <p:cNvPr id="1030" name="Picture 6" descr="Justiza.jpg (1181×857)"/>
+          <p:cNvPicPr>
+            <a:picLocks noChangeAspect="1" noChangeArrowheads="1"/>
+          </p:cNvPicPr>
+          <p:nvPr/>
+        </p:nvPicPr>
+        <p:blipFill>
+          <a:blip r:embed="rId3" cstate="print">
+            <a:extLst>
+              <a:ext uri="{28A0092B-C50C-407E-A947-70E740481C1C}">
+                <a14:useLocalDpi xmlns:a14="http://schemas.microsoft.com/office/drawing/2010/main" val="0"/>
+              </a:ext>
+            </a:extLst>
+          </a:blip>
+          <a:srcRect/>
+          <a:stretch>
+            <a:fillRect/>
+          </a:stretch>
+        </p:blipFill>
+        <p:spPr bwMode="auto">
+          <a:xfrm>
+            <a:off x="251523" y="5022467"/>
+            <a:ext cx="2263153" cy="1642271"/>
+          </a:xfrm>
+          <a:prstGeom prst="rect">
+            <a:avLst/>
+          </a:prstGeom>
+          <a:noFill/>
+          <a:extLst>
+            <a:ext uri="{909E8E84-426E-40DD-AFC4-6F175D3DCCD1}">
+              <a14:hiddenFill xmlns:a14="http://schemas.microsoft.com/office/drawing/2010/main">
+                <a:solidFill>
+                  <a:srgbClr val="FFFFFF"/>
+                </a:solidFill>
+              </a14:hiddenFill>
+            </a:ext>
+          </a:extLst>
+        </p:spPr>
+      </p:pic>
+      <p:sp>
+        <p:nvSpPr>
+          <p:cNvPr id="17" name="Rechteck 16"/>
+          <p:cNvSpPr/>
+          <p:nvPr/>
+        </p:nvSpPr>
+        <p:spPr>
+          <a:xfrm>
+            <a:off x="4355976" y="4972524"/>
+            <a:ext cx="2459766" cy="369332"/>
+          </a:xfrm>
+          <a:prstGeom prst="rect">
+            <a:avLst/>
+          </a:prstGeom>
+        </p:spPr>
+        <p:txBody>
+          <a:bodyPr wrap="square">
+            <a:spAutoFit/>
+          </a:bodyPr>
+          <a:lstStyle/>
+          <a:p>
+            <a:r>
+              <a:rPr lang="de-DE" dirty="0" smtClean="0"/>
+              <a:t>Flughafenverfahren</a:t>
+            </a:r>
+            <a:endParaRPr lang="de-DE" dirty="0"/>
+          </a:p>
+        </p:txBody>
+      </p:sp>
+      <p:sp>
+        <p:nvSpPr>
+          <p:cNvPr id="19" name="Rechteck 18"/>
+          <p:cNvSpPr/>
+          <p:nvPr/>
+        </p:nvSpPr>
+        <p:spPr>
+          <a:xfrm>
+            <a:off x="6525680" y="1542051"/>
+            <a:ext cx="2591992" cy="369332"/>
+          </a:xfrm>
+          <a:prstGeom prst="rect">
+            <a:avLst/>
+          </a:prstGeom>
+        </p:spPr>
+        <p:txBody>
+          <a:bodyPr wrap="none">
+            <a:spAutoFit/>
+          </a:bodyPr>
+          <a:lstStyle/>
+          <a:p>
+            <a:r>
+              <a:rPr lang="de-DE" b="1" dirty="0" err="1">
+                <a:solidFill>
+                  <a:srgbClr val="FF0000"/>
+                </a:solidFill>
+              </a:rPr>
+              <a:t>Prozesskostenhilfsantrag</a:t>
+            </a:r>
+            <a:r>
+              <a:rPr lang="de-DE" b="1" dirty="0">
+                <a:solidFill>
+                  <a:srgbClr val="FF0000"/>
+                </a:solidFill>
+              </a:rPr>
+              <a:t> </a:t>
+            </a:r>
+            <a:endParaRPr lang="de-DE" b="1" dirty="0">
+              <a:solidFill>
+                <a:srgbClr val="FF0000"/>
+              </a:solidFill>
+            </a:endParaRPr>
+          </a:p>
+        </p:txBody>
+      </p:sp>
+      <p:sp>
+        <p:nvSpPr>
+          <p:cNvPr id="28" name="Rechteckiger Pfeil 27"/>
+          <p:cNvSpPr/>
+          <p:nvPr/>
+        </p:nvSpPr>
+        <p:spPr>
+          <a:xfrm rot="5400000">
+            <a:off x="7202249" y="606870"/>
+            <a:ext cx="860181" cy="1080119"/>
+          </a:xfrm>
+          <a:prstGeom prst="bentArrow">
+            <a:avLst/>
+          </a:prstGeom>
+        </p:spPr>
+        <p:style>
+          <a:lnRef idx="2">
+            <a:schemeClr val="accent1">
+              <a:shade val="50000"/>
+            </a:schemeClr>
+          </a:lnRef>
+          <a:fillRef idx="1">
+            <a:schemeClr val="accent1"/>
+          </a:fillRef>
+          <a:effectRef idx="0">
+            <a:schemeClr val="accent1"/>
+          </a:effectRef>
+          <a:fontRef idx="minor">
+            <a:schemeClr val="lt1"/>
+          </a:fontRef>
+        </p:style>
+        <p:txBody>
+          <a:bodyPr rtlCol="0" anchor="ctr"/>
+          <a:lstStyle/>
+          <a:p>
+            <a:pPr algn="ctr"/>
+            <a:endParaRPr lang="de-DE">
+              <a:solidFill>
+                <a:schemeClr val="tx1"/>
+              </a:solidFill>
+            </a:endParaRPr>
+          </a:p>
+        </p:txBody>
+      </p:sp>
+      <p:sp>
+        <p:nvSpPr>
+          <p:cNvPr id="29" name="Pfeil nach rechts 28"/>
+          <p:cNvSpPr/>
+          <p:nvPr/>
+        </p:nvSpPr>
+        <p:spPr>
+          <a:xfrm rot="5400000">
+            <a:off x="7667671" y="1908324"/>
+            <a:ext cx="527554" cy="533673"/>
+          </a:xfrm>
+          <a:prstGeom prst="rightArrow">
+            <a:avLst/>
+          </a:prstGeom>
+        </p:spPr>
+        <p:style>
+          <a:lnRef idx="2">
+            <a:schemeClr val="accent1">
+              <a:shade val="50000"/>
+            </a:schemeClr>
+          </a:lnRef>
+          <a:fillRef idx="1">
+            <a:schemeClr val="accent1"/>
+          </a:fillRef>
+          <a:effectRef idx="0">
+            <a:schemeClr val="accent1"/>
+          </a:effectRef>
+          <a:fontRef idx="minor">
+            <a:schemeClr val="lt1"/>
+          </a:fontRef>
+        </p:style>
+        <p:txBody>
+          <a:bodyPr rtlCol="0" anchor="ctr"/>
+          <a:lstStyle/>
+          <a:p>
+            <a:pPr algn="ctr"/>
+            <a:endParaRPr lang="de-DE"/>
+          </a:p>
+        </p:txBody>
+      </p:sp>
+      <p:sp>
+        <p:nvSpPr>
+          <p:cNvPr id="30" name="Pfeil nach rechts 29"/>
+          <p:cNvSpPr/>
+          <p:nvPr/>
+        </p:nvSpPr>
+        <p:spPr>
+          <a:xfrm rot="5400000">
+            <a:off x="7678129" y="2730116"/>
+            <a:ext cx="527554" cy="533673"/>
+          </a:xfrm>
+          <a:prstGeom prst="rightArrow">
+            <a:avLst/>
+          </a:prstGeom>
+        </p:spPr>
+        <p:style>
+          <a:lnRef idx="2">
+            <a:schemeClr val="accent1">
+              <a:shade val="50000"/>
+            </a:schemeClr>
+          </a:lnRef>
+          <a:fillRef idx="1">
+            <a:schemeClr val="accent1"/>
+          </a:fillRef>
+          <a:effectRef idx="0">
+            <a:schemeClr val="accent1"/>
+          </a:effectRef>
+          <a:fontRef idx="minor">
+            <a:schemeClr val="lt1"/>
+          </a:fontRef>
+        </p:style>
+        <p:txBody>
+          <a:bodyPr rtlCol="0" anchor="ctr"/>
+          <a:lstStyle/>
+          <a:p>
+            <a:pPr algn="ctr"/>
+            <a:endParaRPr lang="de-DE"/>
+          </a:p>
+        </p:txBody>
+      </p:sp>
+      <p:sp>
+        <p:nvSpPr>
+          <p:cNvPr id="31" name="Rechteck 30"/>
+          <p:cNvSpPr/>
+          <p:nvPr/>
+        </p:nvSpPr>
+        <p:spPr>
+          <a:xfrm>
+            <a:off x="7524328" y="2363843"/>
+            <a:ext cx="864852" cy="369332"/>
+          </a:xfrm>
+          <a:prstGeom prst="rect">
+            <a:avLst/>
+          </a:prstGeom>
+        </p:spPr>
+        <p:txBody>
+          <a:bodyPr wrap="none">
+            <a:spAutoFit/>
+          </a:bodyPr>
+          <a:lstStyle/>
+          <a:p>
+            <a:r>
+              <a:rPr lang="de-DE" b="1" dirty="0" smtClean="0">
+                <a:solidFill>
+                  <a:srgbClr val="FF0000"/>
+                </a:solidFill>
+              </a:rPr>
+              <a:t>Anwalt</a:t>
+            </a:r>
+            <a:endParaRPr lang="de-DE" b="1" dirty="0">
+              <a:solidFill>
+                <a:srgbClr val="FF0000"/>
+              </a:solidFill>
+            </a:endParaRPr>
+          </a:p>
+        </p:txBody>
+      </p:sp>
+    </p:spTree>
+    <p:extLst>
+      <p:ext uri="{BB962C8B-B14F-4D97-AF65-F5344CB8AC3E}">
+        <p14:creationId xmlns:p14="http://schemas.microsoft.com/office/powerpoint/2010/main" val="2773358264"/>
+      </p:ext>
+    </p:extLst>
+  </p:cSld>
+  <p:clrMapOvr>
+    <a:masterClrMapping/>
+  </p:clrMapOvr>
+  <p:timing>
+    <p:tnLst>
+      <p:par>
+        <p:cTn id="1" dur="indefinite" restart="never" nodeType="tmRoot"/>
+      </p:par>
+    </p:tnLst>
+  </p:timing>
+</p:sld>
+</file>
+
+<file path=ppt/slides/slide8.xml><?xml version="1.0" encoding="utf-8"?>
+<p:sld xmlns:a="http://schemas.openxmlformats.org/drawingml/2006/main" xmlns:r="http://schemas.openxmlformats.org/officeDocument/2006/relationships" xmlns:p="http://schemas.openxmlformats.org/presentationml/2006/main">
+  <p:cSld>
+    <p:spTree>
+      <p:nvGrpSpPr>
+        <p:cNvPr id="1" name=""/>
+        <p:cNvGrpSpPr/>
+        <p:nvPr/>
+      </p:nvGrpSpPr>
+      <p:grpSpPr>
+        <a:xfrm>
+          <a:off x="0" y="0"/>
+          <a:ext cx="0" cy="0"/>
+          <a:chOff x="0" y="0"/>
+          <a:chExt cx="0" cy="0"/>
+        </a:xfrm>
+      </p:grpSpPr>
+      <p:sp>
+        <p:nvSpPr>
+          <p:cNvPr id="2" name="Titel 1"/>
+          <p:cNvSpPr>
+            <a:spLocks noGrp="1"/>
+          </p:cNvSpPr>
+          <p:nvPr>
+            <p:ph type="title"/>
+          </p:nvPr>
+        </p:nvSpPr>
+        <p:spPr>
+          <a:xfrm>
+            <a:off x="2046549" y="188640"/>
+            <a:ext cx="5050901" cy="994122"/>
+          </a:xfrm>
+        </p:spPr>
+        <p:txBody>
+          <a:bodyPr>
+            <a:normAutofit fontScale="90000"/>
+          </a:bodyPr>
+          <a:lstStyle/>
+          <a:p>
+            <a:r>
+              <a:rPr lang="de-DE" dirty="0"/>
+              <a:t>Aufenthaltsgestattung </a:t>
+            </a:r>
+            <a:endParaRPr lang="de-DE" dirty="0"/>
+          </a:p>
+        </p:txBody>
+      </p:sp>
+      <p:sp>
+        <p:nvSpPr>
+          <p:cNvPr id="6" name="Pfeil nach rechts 5"/>
+          <p:cNvSpPr/>
+          <p:nvPr/>
+        </p:nvSpPr>
+        <p:spPr>
+          <a:xfrm rot="7556480">
+            <a:off x="1068511" y="1663733"/>
+            <a:ext cx="2195736" cy="648072"/>
+          </a:xfrm>
+          <a:prstGeom prst="rightArrow">
+            <a:avLst/>
+          </a:prstGeom>
+        </p:spPr>
+        <p:style>
+          <a:lnRef idx="2">
+            <a:schemeClr val="accent1">
+              <a:shade val="50000"/>
+            </a:schemeClr>
+          </a:lnRef>
+          <a:fillRef idx="1">
+            <a:schemeClr val="accent1"/>
+          </a:fillRef>
+          <a:effectRef idx="0">
+            <a:schemeClr val="accent1"/>
+          </a:effectRef>
+          <a:fontRef idx="minor">
+            <a:schemeClr val="lt1"/>
+          </a:fontRef>
+        </p:style>
+        <p:txBody>
+          <a:bodyPr rtlCol="0" anchor="ctr"/>
+          <a:lstStyle/>
+          <a:p>
+            <a:pPr algn="ctr"/>
+            <a:endParaRPr lang="de-DE"/>
+          </a:p>
+        </p:txBody>
+      </p:sp>
+      <p:sp>
+        <p:nvSpPr>
+          <p:cNvPr id="7" name="Rechteck 6"/>
+          <p:cNvSpPr/>
+          <p:nvPr/>
+        </p:nvSpPr>
+        <p:spPr>
+          <a:xfrm>
+            <a:off x="323528" y="3059668"/>
+            <a:ext cx="3237040" cy="369332"/>
+          </a:xfrm>
+          <a:prstGeom prst="rect">
+            <a:avLst/>
+          </a:prstGeom>
+        </p:spPr>
+        <p:txBody>
+          <a:bodyPr wrap="none">
+            <a:spAutoFit/>
+          </a:bodyPr>
+          <a:lstStyle/>
+          <a:p>
+            <a:r>
+              <a:rPr lang="de-DE" dirty="0"/>
+              <a:t>mindestens 4 Jahren Leistungen </a:t>
+            </a:r>
+            <a:endParaRPr lang="de-DE" dirty="0"/>
+          </a:p>
+        </p:txBody>
+      </p:sp>
+      <p:sp>
+        <p:nvSpPr>
+          <p:cNvPr id="8" name="Rechteck 7"/>
+          <p:cNvSpPr/>
+          <p:nvPr/>
+        </p:nvSpPr>
+        <p:spPr>
+          <a:xfrm>
+            <a:off x="323528" y="3409255"/>
+            <a:ext cx="3306226" cy="307777"/>
+          </a:xfrm>
+          <a:prstGeom prst="rect">
+            <a:avLst/>
+          </a:prstGeom>
+        </p:spPr>
+        <p:txBody>
+          <a:bodyPr wrap="none">
+            <a:spAutoFit/>
+          </a:bodyPr>
+          <a:lstStyle/>
+          <a:p>
+            <a:r>
+              <a:rPr lang="de-DE" sz="1400" dirty="0"/>
+              <a:t>(z.B. Taschengeld, Mehrbedarf Bekleidung)</a:t>
+            </a:r>
+            <a:endParaRPr lang="de-DE" sz="1400" dirty="0"/>
+          </a:p>
+        </p:txBody>
+      </p:sp>
+      <p:sp>
+        <p:nvSpPr>
+          <p:cNvPr id="10" name="Pfeil nach rechts 9"/>
+          <p:cNvSpPr/>
+          <p:nvPr/>
+        </p:nvSpPr>
+        <p:spPr>
+          <a:xfrm rot="3696349">
+            <a:off x="1082827" y="4480889"/>
+            <a:ext cx="2195736" cy="648072"/>
+          </a:xfrm>
+          <a:prstGeom prst="rightArrow">
+            <a:avLst/>
+          </a:prstGeom>
+        </p:spPr>
+        <p:style>
+          <a:lnRef idx="2">
+            <a:schemeClr val="accent1">
+              <a:shade val="50000"/>
+            </a:schemeClr>
+          </a:lnRef>
+          <a:fillRef idx="1">
+            <a:schemeClr val="accent1"/>
+          </a:fillRef>
+          <a:effectRef idx="0">
+            <a:schemeClr val="accent1"/>
+          </a:effectRef>
+          <a:fontRef idx="minor">
+            <a:schemeClr val="lt1"/>
+          </a:fontRef>
+        </p:style>
+        <p:txBody>
+          <a:bodyPr rtlCol="0" anchor="ctr"/>
+          <a:lstStyle/>
+          <a:p>
+            <a:pPr algn="ctr"/>
+            <a:endParaRPr lang="de-DE"/>
+          </a:p>
+        </p:txBody>
+      </p:sp>
+      <p:sp>
+        <p:nvSpPr>
+          <p:cNvPr id="11" name="Rechteck 10"/>
+          <p:cNvSpPr/>
+          <p:nvPr/>
+        </p:nvSpPr>
+        <p:spPr>
+          <a:xfrm>
+            <a:off x="2869351" y="5589240"/>
+            <a:ext cx="5591081" cy="923330"/>
+          </a:xfrm>
+          <a:prstGeom prst="rect">
+            <a:avLst/>
+          </a:prstGeom>
+        </p:spPr>
+        <p:txBody>
+          <a:bodyPr wrap="square">
+            <a:spAutoFit/>
+          </a:bodyPr>
+          <a:lstStyle/>
+          <a:p>
+            <a:r>
+              <a:rPr lang="de-DE" dirty="0"/>
+              <a:t>- </a:t>
+            </a:r>
+            <a:r>
+              <a:rPr lang="de-DE" dirty="0" smtClean="0"/>
+              <a:t>Schwangerschaft </a:t>
+            </a:r>
+            <a:r>
+              <a:rPr lang="de-DE" dirty="0"/>
+              <a:t>und Geburt</a:t>
+            </a:r>
+          </a:p>
+          <a:p>
+            <a:r>
+              <a:rPr lang="de-DE" dirty="0"/>
+              <a:t>- </a:t>
+            </a:r>
+            <a:r>
+              <a:rPr lang="de-DE" dirty="0" smtClean="0"/>
+              <a:t>Möbeln </a:t>
+            </a:r>
+            <a:r>
+              <a:rPr lang="de-DE" dirty="0"/>
+              <a:t>und Hausrat</a:t>
+            </a:r>
+          </a:p>
+          <a:p>
+            <a:r>
+              <a:rPr lang="de-DE" dirty="0"/>
+              <a:t>- </a:t>
+            </a:r>
+            <a:r>
+              <a:rPr lang="de-DE" dirty="0" smtClean="0"/>
+              <a:t>Und mehrtägige </a:t>
+            </a:r>
+            <a:r>
+              <a:rPr lang="de-DE" dirty="0"/>
+              <a:t>Klassenfahrten der Schule</a:t>
+            </a:r>
+          </a:p>
+        </p:txBody>
+      </p:sp>
+    </p:spTree>
+    <p:extLst>
+      <p:ext uri="{BB962C8B-B14F-4D97-AF65-F5344CB8AC3E}">
+        <p14:creationId xmlns:p14="http://schemas.microsoft.com/office/powerpoint/2010/main" val="3679196240"/>
+      </p:ext>
+    </p:extLst>
+  </p:cSld>
+  <p:clrMapOvr>
+    <a:masterClrMapping/>
+  </p:clrMapOvr>
+  <p:timing>
+    <p:tnLst>
+      <p:par>
+        <p:cTn id="1" dur="indefinite" restart="never" nodeType="tmRoot"/>
+      </p:par>
+    </p:tnLst>
+  </p:timing>
+</p:sld>
+</file>
+
+<file path=ppt/slides/slide9.xml><?xml version="1.0" encoding="utf-8"?>
+<p:sld xmlns:a="http://schemas.openxmlformats.org/drawingml/2006/main" xmlns:r="http://schemas.openxmlformats.org/officeDocument/2006/relationships" xmlns:p="http://schemas.openxmlformats.org/presentationml/2006/main">
+  <p:cSld>
+    <p:spTree>
+      <p:nvGrpSpPr>
+        <p:cNvPr id="1" name=""/>
+        <p:cNvGrpSpPr/>
+        <p:nvPr/>
+      </p:nvGrpSpPr>
+      <p:grpSpPr>
+        <a:xfrm>
+          <a:off x="0" y="0"/>
+          <a:ext cx="0" cy="0"/>
+          <a:chOff x="0" y="0"/>
+          <a:chExt cx="0" cy="0"/>
+        </a:xfrm>
+      </p:grpSpPr>
+      <p:sp>
+        <p:nvSpPr>
+          <p:cNvPr id="3" name="Sonne 2"/>
+          <p:cNvSpPr/>
+          <p:nvPr/>
+        </p:nvSpPr>
+        <p:spPr>
+          <a:xfrm rot="10800000">
+            <a:off x="1642725" y="1657505"/>
+            <a:ext cx="6184428" cy="4532518"/>
+          </a:xfrm>
+          <a:prstGeom prst="sun">
+            <a:avLst/>
+          </a:prstGeom>
+        </p:spPr>
+        <p:style>
+          <a:lnRef idx="0">
+            <a:schemeClr val="accent3"/>
+          </a:lnRef>
+          <a:fillRef idx="3">
+            <a:schemeClr val="accent3"/>
+          </a:fillRef>
+          <a:effectRef idx="3">
+            <a:schemeClr val="accent3"/>
+          </a:effectRef>
+          <a:fontRef idx="minor">
+            <a:schemeClr val="lt1"/>
+          </a:fontRef>
+        </p:style>
+        <p:txBody>
+          <a:bodyPr rtlCol="0" anchor="ctr"/>
+          <a:lstStyle/>
+          <a:p>
+            <a:pPr algn="ctr"/>
+            <a:endParaRPr lang="de-DE"/>
+          </a:p>
+        </p:txBody>
+      </p:sp>
+      <p:sp>
+        <p:nvSpPr>
+          <p:cNvPr id="4" name="Rechteck 3"/>
+          <p:cNvSpPr/>
+          <p:nvPr/>
+        </p:nvSpPr>
+        <p:spPr>
+          <a:xfrm>
+            <a:off x="3250530" y="3628181"/>
+            <a:ext cx="3035896" cy="1015663"/>
+          </a:xfrm>
+          <a:prstGeom prst="rect">
+            <a:avLst/>
+          </a:prstGeom>
+        </p:spPr>
+        <p:txBody>
+          <a:bodyPr wrap="none">
+            <a:spAutoFit/>
+          </a:bodyPr>
+          <a:lstStyle/>
+          <a:p>
+            <a:pPr algn="ctr"/>
+            <a:r>
+              <a:rPr lang="de-DE" sz="2400" b="1" dirty="0"/>
+              <a:t>Aufenthaltsgestattung</a:t>
+            </a:r>
+            <a:endParaRPr lang="de-DE" b="1" dirty="0" smtClean="0"/>
+          </a:p>
+          <a:p>
+            <a:pPr algn="ctr"/>
+            <a:r>
+              <a:rPr lang="de-DE" b="1" dirty="0" smtClean="0"/>
+              <a:t>Wohnen</a:t>
+            </a:r>
+            <a:r>
+              <a:rPr lang="de-DE" dirty="0" smtClean="0"/>
+              <a:t> </a:t>
+            </a:r>
+          </a:p>
+          <a:p>
+            <a:pPr algn="ctr"/>
+            <a:endParaRPr lang="de-DE" dirty="0"/>
+          </a:p>
+        </p:txBody>
+      </p:sp>
+      <p:sp>
+        <p:nvSpPr>
+          <p:cNvPr id="5" name="Rechteck 4"/>
+          <p:cNvSpPr/>
+          <p:nvPr/>
+        </p:nvSpPr>
+        <p:spPr>
+          <a:xfrm>
+            <a:off x="6856710" y="1763524"/>
+            <a:ext cx="1263103" cy="369332"/>
+          </a:xfrm>
+          <a:prstGeom prst="rect">
+            <a:avLst/>
+          </a:prstGeom>
+        </p:spPr>
+        <p:txBody>
+          <a:bodyPr wrap="none">
+            <a:spAutoFit/>
+          </a:bodyPr>
+          <a:lstStyle/>
+          <a:p>
+            <a:r>
+              <a:rPr lang="de-DE" b="1" dirty="0" smtClean="0"/>
+              <a:t>Kindergeld </a:t>
+            </a:r>
+            <a:endParaRPr lang="de-DE" dirty="0"/>
+          </a:p>
+        </p:txBody>
+      </p:sp>
+      <p:sp>
+        <p:nvSpPr>
+          <p:cNvPr id="6" name="Rechteck 5"/>
+          <p:cNvSpPr/>
+          <p:nvPr/>
+        </p:nvSpPr>
+        <p:spPr>
+          <a:xfrm>
+            <a:off x="7936830" y="3748742"/>
+            <a:ext cx="739626" cy="369332"/>
+          </a:xfrm>
+          <a:prstGeom prst="rect">
+            <a:avLst/>
+          </a:prstGeom>
+        </p:spPr>
+        <p:txBody>
+          <a:bodyPr wrap="none">
+            <a:spAutoFit/>
+          </a:bodyPr>
+          <a:lstStyle/>
+          <a:p>
+            <a:r>
+              <a:rPr lang="de-DE" b="1" dirty="0" smtClean="0"/>
+              <a:t>ALG II</a:t>
+            </a:r>
+            <a:endParaRPr lang="de-DE" dirty="0"/>
+          </a:p>
+        </p:txBody>
+      </p:sp>
+      <p:sp>
+        <p:nvSpPr>
+          <p:cNvPr id="7" name="Rechteck 6"/>
+          <p:cNvSpPr/>
+          <p:nvPr/>
+        </p:nvSpPr>
+        <p:spPr>
+          <a:xfrm>
+            <a:off x="6056496" y="5820692"/>
+            <a:ext cx="2562305" cy="369332"/>
+          </a:xfrm>
+          <a:prstGeom prst="rect">
+            <a:avLst/>
+          </a:prstGeom>
+        </p:spPr>
+        <p:txBody>
+          <a:bodyPr wrap="none">
+            <a:spAutoFit/>
+          </a:bodyPr>
+          <a:lstStyle/>
+          <a:p>
+            <a:r>
+              <a:rPr lang="de-DE" b="1" dirty="0" smtClean="0"/>
+              <a:t>Arbeiten und Ausbildung</a:t>
+            </a:r>
+            <a:endParaRPr lang="de-DE" dirty="0"/>
+          </a:p>
+        </p:txBody>
+      </p:sp>
+      <p:sp>
+        <p:nvSpPr>
+          <p:cNvPr id="8" name="Rechteck 7"/>
+          <p:cNvSpPr/>
+          <p:nvPr/>
+        </p:nvSpPr>
+        <p:spPr>
+          <a:xfrm>
+            <a:off x="3810710" y="6300028"/>
+            <a:ext cx="1848455" cy="369332"/>
+          </a:xfrm>
+          <a:prstGeom prst="rect">
+            <a:avLst/>
+          </a:prstGeom>
+        </p:spPr>
+        <p:txBody>
+          <a:bodyPr wrap="none">
+            <a:spAutoFit/>
+          </a:bodyPr>
+          <a:lstStyle/>
+          <a:p>
+            <a:r>
+              <a:rPr lang="de-DE" b="1" dirty="0"/>
+              <a:t>Integrationskurse</a:t>
+            </a:r>
+            <a:endParaRPr lang="de-DE" dirty="0"/>
+          </a:p>
+        </p:txBody>
+      </p:sp>
+      <p:sp>
+        <p:nvSpPr>
+          <p:cNvPr id="9" name="Rechteck 8"/>
+          <p:cNvSpPr/>
+          <p:nvPr/>
+        </p:nvSpPr>
+        <p:spPr>
+          <a:xfrm>
+            <a:off x="381896" y="5543693"/>
+            <a:ext cx="3185296" cy="646331"/>
+          </a:xfrm>
+          <a:prstGeom prst="rect">
+            <a:avLst/>
+          </a:prstGeom>
+        </p:spPr>
+        <p:txBody>
+          <a:bodyPr wrap="none">
+            <a:spAutoFit/>
+          </a:bodyPr>
+          <a:lstStyle/>
+          <a:p>
+            <a:pPr algn="ctr"/>
+            <a:r>
+              <a:rPr lang="de-DE" b="1" dirty="0"/>
+              <a:t>Anerkennung </a:t>
+            </a:r>
+            <a:endParaRPr lang="de-DE" b="1" dirty="0" smtClean="0"/>
+          </a:p>
+          <a:p>
+            <a:pPr algn="ctr"/>
+            <a:r>
+              <a:rPr lang="de-DE" b="1" dirty="0" smtClean="0"/>
+              <a:t>ausländischer </a:t>
+            </a:r>
+            <a:r>
+              <a:rPr lang="de-DE" b="1" dirty="0"/>
+              <a:t>Berufsabschlüsse</a:t>
+            </a:r>
+            <a:endParaRPr lang="de-DE" dirty="0"/>
+          </a:p>
+        </p:txBody>
+      </p:sp>
+      <p:sp>
+        <p:nvSpPr>
+          <p:cNvPr id="10" name="Rechteck 9"/>
+          <p:cNvSpPr/>
+          <p:nvPr/>
+        </p:nvSpPr>
+        <p:spPr>
+          <a:xfrm>
+            <a:off x="880046" y="1619508"/>
+            <a:ext cx="2188997" cy="646331"/>
+          </a:xfrm>
+          <a:prstGeom prst="rect">
+            <a:avLst/>
+          </a:prstGeom>
+        </p:spPr>
+        <p:txBody>
+          <a:bodyPr wrap="none">
+            <a:spAutoFit/>
+          </a:bodyPr>
+          <a:lstStyle/>
+          <a:p>
+            <a:pPr algn="ctr"/>
+            <a:r>
+              <a:rPr lang="de-DE" b="1" dirty="0"/>
+              <a:t>Anmeldung </a:t>
+            </a:r>
+            <a:endParaRPr lang="de-DE" b="1" dirty="0"/>
+          </a:p>
+          <a:p>
+            <a:pPr algn="ctr"/>
+            <a:r>
+              <a:rPr lang="de-DE" b="1" dirty="0" smtClean="0"/>
+              <a:t>Einwohnermeldeamt</a:t>
+            </a:r>
+            <a:endParaRPr lang="de-DE" dirty="0"/>
+          </a:p>
+        </p:txBody>
+      </p:sp>
+      <p:sp>
+        <p:nvSpPr>
+          <p:cNvPr id="11" name="Rechteck 10"/>
+          <p:cNvSpPr/>
+          <p:nvPr/>
+        </p:nvSpPr>
+        <p:spPr>
+          <a:xfrm>
+            <a:off x="196478" y="3812846"/>
+            <a:ext cx="2501134" cy="646331"/>
+          </a:xfrm>
+          <a:prstGeom prst="rect">
+            <a:avLst/>
+          </a:prstGeom>
+        </p:spPr>
+        <p:txBody>
+          <a:bodyPr wrap="none">
+            <a:spAutoFit/>
+          </a:bodyPr>
+          <a:lstStyle/>
+          <a:p>
+            <a:r>
+              <a:rPr lang="de-DE" b="1" dirty="0"/>
+              <a:t>Schul- </a:t>
+            </a:r>
+            <a:endParaRPr lang="de-DE" b="1" dirty="0" smtClean="0"/>
+          </a:p>
+          <a:p>
+            <a:r>
+              <a:rPr lang="de-DE" b="1" dirty="0" smtClean="0"/>
+              <a:t>Kindergartenanmeldung</a:t>
+            </a:r>
+            <a:endParaRPr lang="de-DE" dirty="0"/>
+          </a:p>
+        </p:txBody>
+      </p:sp>
+      <p:sp>
+        <p:nvSpPr>
+          <p:cNvPr id="12" name="Rechteck 11"/>
+          <p:cNvSpPr/>
+          <p:nvPr/>
+        </p:nvSpPr>
+        <p:spPr>
+          <a:xfrm>
+            <a:off x="3660149" y="1111776"/>
+            <a:ext cx="2420343" cy="369332"/>
+          </a:xfrm>
+          <a:prstGeom prst="rect">
+            <a:avLst/>
+          </a:prstGeom>
+        </p:spPr>
+        <p:txBody>
+          <a:bodyPr wrap="none">
+            <a:spAutoFit/>
+          </a:bodyPr>
+          <a:lstStyle/>
+          <a:p>
+            <a:r>
+              <a:rPr lang="de-DE" b="1" u="sng" dirty="0"/>
+              <a:t>Krankenversicherungen</a:t>
+            </a:r>
+            <a:endParaRPr lang="de-DE" dirty="0"/>
+          </a:p>
+        </p:txBody>
+      </p:sp>
+      <p:sp>
+        <p:nvSpPr>
+          <p:cNvPr id="13" name="Rechteck 12"/>
+          <p:cNvSpPr/>
+          <p:nvPr/>
+        </p:nvSpPr>
+        <p:spPr>
+          <a:xfrm>
+            <a:off x="405023" y="107534"/>
+            <a:ext cx="8631473" cy="646331"/>
+          </a:xfrm>
+          <a:prstGeom prst="rect">
+            <a:avLst/>
+          </a:prstGeom>
+        </p:spPr>
+        <p:txBody>
+          <a:bodyPr wrap="square">
+            <a:spAutoFit/>
+          </a:bodyPr>
+          <a:lstStyle/>
+          <a:p>
+            <a:r>
+              <a:rPr lang="de-DE" b="1" dirty="0" smtClean="0"/>
+              <a:t>Nachdem man Aufenthaltsgestattung bekommen hat, soll man sich um unter stehenden Punkten kümmern. </a:t>
+            </a:r>
+            <a:endParaRPr lang="de-DE" b="1" dirty="0"/>
+          </a:p>
+        </p:txBody>
+      </p:sp>
+    </p:spTree>
+    <p:extLst>
+      <p:ext uri="{BB962C8B-B14F-4D97-AF65-F5344CB8AC3E}">
+        <p14:creationId xmlns:p14="http://schemas.microsoft.com/office/powerpoint/2010/main" val="2205846556"/>
       </p:ext>
     </p:extLst>
   </p:cSld>
